--- a/A VIM mode for MATLAB.pptx
+++ b/A VIM mode for MATLAB.pptx
@@ -112,7 +112,49 @@
       </a:defRPr>
     </a:lvl9pPr>
   </p:defaultTextStyle>
+  <p:extLst>
+    <p:ext uri="{EFAFB233-063F-42B5-8137-9DF3F51BA10A}">
+      <p15:sldGuideLst xmlns:p15="http://schemas.microsoft.com/office/powerpoint/2012/main"/>
+    </p:ext>
+  </p:extLst>
 </p:presentation>
+</file>
+
+<file path=ppt/revisionInfo.xml><?xml version="1.0" encoding="utf-8"?>
+<p1510:revInfo xmlns:a="http://schemas.openxmlformats.org/drawingml/2006/main" xmlns:r="http://schemas.openxmlformats.org/officeDocument/2006/relationships" xmlns:p1510="http://schemas.microsoft.com/office/powerpoint/2015/10/main">
+  <p1510:revLst>
+    <p1510:client id="{D520E694-AFAA-4AE3-BCCB-41067FA1DA15}" v="1" dt="2024-03-28T10:35:44.726"/>
+  </p1510:revLst>
+</p1510:revInfo>
+</file>
+
+<file path=ppt/changesInfos/changesInfo1.xml><?xml version="1.0" encoding="utf-8"?>
+<pc:chgInfo xmlns:a="http://schemas.openxmlformats.org/drawingml/2006/main" xmlns:r="http://schemas.openxmlformats.org/officeDocument/2006/relationships" xmlns:ac="http://schemas.microsoft.com/office/drawing/2013/main/command" xmlns:pc="http://schemas.microsoft.com/office/powerpoint/2013/main/command">
+  <pc:docChgLst>
+    <pc:chgData name="Martin Schmelzle" userId="2f6a7c8d94f09afd" providerId="LiveId" clId="{D520E694-AFAA-4AE3-BCCB-41067FA1DA15}"/>
+    <pc:docChg chg="modSld">
+      <pc:chgData name="Martin Schmelzle" userId="2f6a7c8d94f09afd" providerId="LiveId" clId="{D520E694-AFAA-4AE3-BCCB-41067FA1DA15}" dt="2024-03-28T10:36:20.909" v="5" actId="1076"/>
+      <pc:docMkLst>
+        <pc:docMk/>
+      </pc:docMkLst>
+      <pc:sldChg chg="addSp modSp mod">
+        <pc:chgData name="Martin Schmelzle" userId="2f6a7c8d94f09afd" providerId="LiveId" clId="{D520E694-AFAA-4AE3-BCCB-41067FA1DA15}" dt="2024-03-28T10:36:20.909" v="5" actId="1076"/>
+        <pc:sldMkLst>
+          <pc:docMk/>
+          <pc:sldMk cId="1988853816" sldId="258"/>
+        </pc:sldMkLst>
+        <pc:spChg chg="add mod">
+          <ac:chgData name="Martin Schmelzle" userId="2f6a7c8d94f09afd" providerId="LiveId" clId="{D520E694-AFAA-4AE3-BCCB-41067FA1DA15}" dt="2024-03-28T10:36:20.909" v="5" actId="1076"/>
+          <ac:spMkLst>
+            <pc:docMk/>
+            <pc:sldMk cId="1988853816" sldId="258"/>
+            <ac:spMk id="3" creationId="{6E2F0C66-8F0D-9625-C74C-A58663FE9CC9}"/>
+          </ac:spMkLst>
+        </pc:spChg>
+      </pc:sldChg>
+    </pc:docChg>
+  </pc:docChgLst>
+</pc:chgInfo>
 </file>
 
 <file path=ppt/slideLayouts/slideLayout1.xml><?xml version="1.0" encoding="utf-8"?>
@@ -6395,6 +6437,49 @@
           </a:custGeom>
         </p:spPr>
       </p:pic>
+      <p:sp>
+        <p:nvSpPr>
+          <p:cNvPr id="3" name="TextBox 2">
+            <a:extLst>
+              <a:ext uri="{FF2B5EF4-FFF2-40B4-BE49-F238E27FC236}">
+                <a16:creationId xmlns:a16="http://schemas.microsoft.com/office/drawing/2014/main" id="{6E2F0C66-8F0D-9625-C74C-A58663FE9CC9}"/>
+              </a:ext>
+            </a:extLst>
+          </p:cNvPr>
+          <p:cNvSpPr txBox="1"/>
+          <p:nvPr/>
+        </p:nvSpPr>
+        <p:spPr>
+          <a:xfrm>
+            <a:off x="5987357" y="4409317"/>
+            <a:ext cx="3580211" cy="369332"/>
+          </a:xfrm>
+          <a:prstGeom prst="rect">
+            <a:avLst/>
+          </a:prstGeom>
+          <a:noFill/>
+        </p:spPr>
+        <p:txBody>
+          <a:bodyPr wrap="none" rtlCol="0">
+            <a:spAutoFit/>
+          </a:bodyPr>
+          <a:lstStyle/>
+          <a:p>
+            <a:r>
+              <a:rPr lang="en-GB" dirty="0">
+                <a:solidFill>
+                  <a:schemeClr val="bg1"/>
+                </a:solidFill>
+              </a:rPr>
+              <a:t>https://www.vimonlineeditor.com</a:t>
+            </a:r>
+            <a:r>
+              <a:rPr lang="en-GB" dirty="0"/>
+              <a:t>/</a:t>
+            </a:r>
+          </a:p>
+        </p:txBody>
+      </p:sp>
     </p:spTree>
     <p:extLst>
       <p:ext uri="{BB962C8B-B14F-4D97-AF65-F5344CB8AC3E}">
